--- a/src/ServiceOrientedArchitecture/SOA.pptx
+++ b/src/ServiceOrientedArchitecture/SOA.pptx
@@ -106,6 +106,22 @@
       </a:defRPr>
     </a:lvl9pPr>
   </p:defaultTextStyle>
+  <p:extLst>
+    <p:ext uri="{EFAFB233-063F-42B5-8137-9DF3F51BA10A}">
+      <p15:sldGuideLst xmlns:p15="http://schemas.microsoft.com/office/powerpoint/2012/main">
+        <p15:guide id="1" orient="horz" pos="2160">
+          <p15:clr>
+            <a:srgbClr val="A4A3A4"/>
+          </p15:clr>
+        </p15:guide>
+        <p15:guide id="2" pos="2880">
+          <p15:clr>
+            <a:srgbClr val="A4A3A4"/>
+          </p15:clr>
+        </p15:guide>
+      </p15:sldGuideLst>
+    </p:ext>
+  </p:extLst>
 </p:presentation>
 </file>
 
@@ -290,7 +306,7 @@
           <a:p>
             <a:fld id="{EF0E5ADF-327A-46A2-8071-02D8FFF28639}" type="datetimeFigureOut">
               <a:rPr lang="en-US" smtClean="0"/>
-              <a:t>1/2/2017</a:t>
+              <a:t>5/17/2017</a:t>
             </a:fld>
             <a:endParaRPr lang="en-US"/>
           </a:p>
@@ -460,7 +476,7 @@
           <a:p>
             <a:fld id="{EF0E5ADF-327A-46A2-8071-02D8FFF28639}" type="datetimeFigureOut">
               <a:rPr lang="en-US" smtClean="0"/>
-              <a:t>1/2/2017</a:t>
+              <a:t>5/17/2017</a:t>
             </a:fld>
             <a:endParaRPr lang="en-US"/>
           </a:p>
@@ -640,7 +656,7 @@
           <a:p>
             <a:fld id="{EF0E5ADF-327A-46A2-8071-02D8FFF28639}" type="datetimeFigureOut">
               <a:rPr lang="en-US" smtClean="0"/>
-              <a:t>1/2/2017</a:t>
+              <a:t>5/17/2017</a:t>
             </a:fld>
             <a:endParaRPr lang="en-US"/>
           </a:p>
@@ -810,7 +826,7 @@
           <a:p>
             <a:fld id="{EF0E5ADF-327A-46A2-8071-02D8FFF28639}" type="datetimeFigureOut">
               <a:rPr lang="en-US" smtClean="0"/>
-              <a:t>1/2/2017</a:t>
+              <a:t>5/17/2017</a:t>
             </a:fld>
             <a:endParaRPr lang="en-US"/>
           </a:p>
@@ -1056,7 +1072,7 @@
           <a:p>
             <a:fld id="{EF0E5ADF-327A-46A2-8071-02D8FFF28639}" type="datetimeFigureOut">
               <a:rPr lang="en-US" smtClean="0"/>
-              <a:t>1/2/2017</a:t>
+              <a:t>5/17/2017</a:t>
             </a:fld>
             <a:endParaRPr lang="en-US"/>
           </a:p>
@@ -1344,7 +1360,7 @@
           <a:p>
             <a:fld id="{EF0E5ADF-327A-46A2-8071-02D8FFF28639}" type="datetimeFigureOut">
               <a:rPr lang="en-US" smtClean="0"/>
-              <a:t>1/2/2017</a:t>
+              <a:t>5/17/2017</a:t>
             </a:fld>
             <a:endParaRPr lang="en-US"/>
           </a:p>
@@ -1766,7 +1782,7 @@
           <a:p>
             <a:fld id="{EF0E5ADF-327A-46A2-8071-02D8FFF28639}" type="datetimeFigureOut">
               <a:rPr lang="en-US" smtClean="0"/>
-              <a:t>1/2/2017</a:t>
+              <a:t>5/17/2017</a:t>
             </a:fld>
             <a:endParaRPr lang="en-US"/>
           </a:p>
@@ -1884,7 +1900,7 @@
           <a:p>
             <a:fld id="{EF0E5ADF-327A-46A2-8071-02D8FFF28639}" type="datetimeFigureOut">
               <a:rPr lang="en-US" smtClean="0"/>
-              <a:t>1/2/2017</a:t>
+              <a:t>5/17/2017</a:t>
             </a:fld>
             <a:endParaRPr lang="en-US"/>
           </a:p>
@@ -1979,7 +1995,7 @@
           <a:p>
             <a:fld id="{EF0E5ADF-327A-46A2-8071-02D8FFF28639}" type="datetimeFigureOut">
               <a:rPr lang="en-US" smtClean="0"/>
-              <a:t>1/2/2017</a:t>
+              <a:t>5/17/2017</a:t>
             </a:fld>
             <a:endParaRPr lang="en-US"/>
           </a:p>
@@ -2256,7 +2272,7 @@
           <a:p>
             <a:fld id="{EF0E5ADF-327A-46A2-8071-02D8FFF28639}" type="datetimeFigureOut">
               <a:rPr lang="en-US" smtClean="0"/>
-              <a:t>1/2/2017</a:t>
+              <a:t>5/17/2017</a:t>
             </a:fld>
             <a:endParaRPr lang="en-US"/>
           </a:p>
@@ -2509,7 +2525,7 @@
           <a:p>
             <a:fld id="{EF0E5ADF-327A-46A2-8071-02D8FFF28639}" type="datetimeFigureOut">
               <a:rPr lang="en-US" smtClean="0"/>
-              <a:t>1/2/2017</a:t>
+              <a:t>5/17/2017</a:t>
             </a:fld>
             <a:endParaRPr lang="en-US"/>
           </a:p>
@@ -2722,7 +2738,7 @@
           <a:p>
             <a:fld id="{EF0E5ADF-327A-46A2-8071-02D8FFF28639}" type="datetimeFigureOut">
               <a:rPr lang="en-US" smtClean="0"/>
-              <a:t>1/2/2017</a:t>
+              <a:t>5/17/2017</a:t>
             </a:fld>
             <a:endParaRPr lang="en-US"/>
           </a:p>
@@ -3105,7 +3121,7 @@
         </p:nvSpPr>
         <p:spPr>
           <a:xfrm>
-            <a:off x="609600" y="2819400"/>
+            <a:off x="609600" y="2133600"/>
             <a:ext cx="1905000" cy="2667000"/>
           </a:xfrm>
           <a:prstGeom prst="roundRect">
@@ -3169,7 +3185,7 @@
         </p:nvSpPr>
         <p:spPr>
           <a:xfrm>
-            <a:off x="2677297" y="2865738"/>
+            <a:off x="2677297" y="2179938"/>
             <a:ext cx="1905000" cy="2667000"/>
           </a:xfrm>
           <a:prstGeom prst="roundRect">
@@ -3221,7 +3237,7 @@
         </p:nvSpPr>
         <p:spPr>
           <a:xfrm>
-            <a:off x="4761470" y="2895600"/>
+            <a:off x="4761470" y="2209800"/>
             <a:ext cx="1905000" cy="2667000"/>
           </a:xfrm>
           <a:prstGeom prst="roundRect">
@@ -3273,7 +3289,7 @@
         </p:nvSpPr>
         <p:spPr>
           <a:xfrm>
-            <a:off x="6858000" y="2879124"/>
+            <a:off x="6858000" y="2193324"/>
             <a:ext cx="1905000" cy="2667000"/>
           </a:xfrm>
           <a:prstGeom prst="roundRect">
@@ -3362,7 +3378,7 @@
         </p:nvSpPr>
         <p:spPr>
           <a:xfrm>
-            <a:off x="609600" y="2819400"/>
+            <a:off x="609600" y="2133600"/>
             <a:ext cx="1905000" cy="2667000"/>
           </a:xfrm>
           <a:prstGeom prst="roundRect">
@@ -3426,7 +3442,7 @@
         </p:nvSpPr>
         <p:spPr>
           <a:xfrm>
-            <a:off x="2677297" y="2865738"/>
+            <a:off x="2677297" y="2179938"/>
             <a:ext cx="1905000" cy="2667000"/>
           </a:xfrm>
           <a:prstGeom prst="roundRect">
@@ -3478,7 +3494,7 @@
         </p:nvSpPr>
         <p:spPr>
           <a:xfrm>
-            <a:off x="4761470" y="2895600"/>
+            <a:off x="4761470" y="2209800"/>
             <a:ext cx="1905000" cy="2667000"/>
           </a:xfrm>
           <a:prstGeom prst="roundRect">
@@ -3530,7 +3546,7 @@
         </p:nvSpPr>
         <p:spPr>
           <a:xfrm>
-            <a:off x="6858000" y="2879124"/>
+            <a:off x="6858000" y="2193324"/>
             <a:ext cx="1905000" cy="2667000"/>
           </a:xfrm>
           <a:prstGeom prst="roundRect">
@@ -3708,7 +3724,7 @@
         </p:nvSpPr>
         <p:spPr>
           <a:xfrm>
-            <a:off x="1219200" y="5791200"/>
+            <a:off x="1219200" y="5105400"/>
             <a:ext cx="6992895" cy="381000"/>
           </a:xfrm>
           <a:prstGeom prst="rect">
@@ -3717,13 +3733,13 @@
         </p:spPr>
         <p:style>
           <a:lnRef idx="1">
-            <a:schemeClr val="dk1"/>
+            <a:schemeClr val="accent1"/>
           </a:lnRef>
           <a:fillRef idx="2">
-            <a:schemeClr val="dk1"/>
+            <a:schemeClr val="accent1"/>
           </a:fillRef>
           <a:effectRef idx="1">
-            <a:schemeClr val="dk1"/>
+            <a:schemeClr val="accent1"/>
           </a:effectRef>
           <a:fontRef idx="minor">
             <a:schemeClr val="dk1"/>
@@ -3787,7 +3803,7 @@
         </p:nvSpPr>
         <p:spPr>
           <a:xfrm>
-            <a:off x="609600" y="2819400"/>
+            <a:off x="609600" y="2133600"/>
             <a:ext cx="1905000" cy="2667000"/>
           </a:xfrm>
           <a:prstGeom prst="roundRect">
@@ -3851,7 +3867,7 @@
         </p:nvSpPr>
         <p:spPr>
           <a:xfrm>
-            <a:off x="2677297" y="2865738"/>
+            <a:off x="2677297" y="2179938"/>
             <a:ext cx="1905000" cy="2667000"/>
           </a:xfrm>
           <a:prstGeom prst="roundRect">
@@ -3903,7 +3919,7 @@
         </p:nvSpPr>
         <p:spPr>
           <a:xfrm>
-            <a:off x="4761470" y="2895600"/>
+            <a:off x="4761470" y="2209800"/>
             <a:ext cx="1905000" cy="2667000"/>
           </a:xfrm>
           <a:prstGeom prst="roundRect">
@@ -3955,7 +3971,7 @@
         </p:nvSpPr>
         <p:spPr>
           <a:xfrm>
-            <a:off x="6858000" y="2879124"/>
+            <a:off x="6858000" y="2193324"/>
             <a:ext cx="1905000" cy="2667000"/>
           </a:xfrm>
           <a:prstGeom prst="roundRect">
@@ -4473,7 +4489,6 @@
               <a:rPr lang="en-US" dirty="0"/>
               <a:t>G</a:t>
             </a:r>
-            <a:endParaRPr lang="en-US" dirty="0"/>
           </a:p>
         </p:txBody>
       </p:sp>
@@ -4529,7 +4544,7 @@
         </p:nvSpPr>
         <p:spPr>
           <a:xfrm>
-            <a:off x="1219200" y="5791200"/>
+            <a:off x="1219200" y="5105400"/>
             <a:ext cx="6992895" cy="381000"/>
           </a:xfrm>
           <a:prstGeom prst="rect">
@@ -4538,13 +4553,13 @@
         </p:spPr>
         <p:style>
           <a:lnRef idx="1">
-            <a:schemeClr val="dk1"/>
+            <a:schemeClr val="accent1"/>
           </a:lnRef>
           <a:fillRef idx="2">
-            <a:schemeClr val="dk1"/>
+            <a:schemeClr val="accent1"/>
           </a:fillRef>
           <a:effectRef idx="1">
-            <a:schemeClr val="dk1"/>
+            <a:schemeClr val="accent1"/>
           </a:effectRef>
           <a:fontRef idx="minor">
             <a:schemeClr val="dk1"/>
@@ -4558,6 +4573,56 @@
             <a:r>
               <a:rPr lang="en-US" dirty="0" smtClean="0"/>
               <a:t>Communication</a:t>
+            </a:r>
+            <a:endParaRPr lang="en-US" dirty="0"/>
+          </a:p>
+        </p:txBody>
+      </p:sp>
+      <p:sp>
+        <p:nvSpPr>
+          <p:cNvPr id="2" name="Rectangle 1"/>
+          <p:cNvSpPr/>
+          <p:nvPr/>
+        </p:nvSpPr>
+        <p:spPr>
+          <a:xfrm>
+            <a:off x="3505200" y="4038600"/>
+            <a:ext cx="4706894" cy="381000"/>
+          </a:xfrm>
+          <a:prstGeom prst="rect">
+            <a:avLst/>
+          </a:prstGeom>
+          <a:solidFill>
+            <a:schemeClr val="dk1">
+              <a:alpha val="50000"/>
+            </a:schemeClr>
+          </a:solidFill>
+          <a:ln>
+            <a:noFill/>
+          </a:ln>
+        </p:spPr>
+        <p:style>
+          <a:lnRef idx="0">
+            <a:scrgbClr r="0" g="0" b="0"/>
+          </a:lnRef>
+          <a:fillRef idx="0">
+            <a:scrgbClr r="0" g="0" b="0"/>
+          </a:fillRef>
+          <a:effectRef idx="0">
+            <a:scrgbClr r="0" g="0" b="0"/>
+          </a:effectRef>
+          <a:fontRef idx="minor">
+            <a:schemeClr val="lt1"/>
+          </a:fontRef>
+        </p:style>
+        <p:txBody>
+          <a:bodyPr rtlCol="0" anchor="ctr"/>
+          <a:lstStyle/>
+          <a:p>
+            <a:pPr algn="ctr"/>
+            <a:r>
+              <a:rPr lang="en-US" dirty="0" smtClean="0"/>
+              <a:t>Shared Tools</a:t>
             </a:r>
             <a:endParaRPr lang="en-US" dirty="0"/>
           </a:p>
